--- a/slides/09-CV-bootstrap.pptx
+++ b/slides/09-CV-bootstrap.pptx
@@ -230,7 +230,7 @@
           <a:p>
             <a:fld id="{3CBB8A52-8AC5-C74C-97FB-632C448F3674}" type="datetimeFigureOut">
               <a:rPr lang="en-US" smtClean="0"/>
-              <a:t>2/15/24</a:t>
+              <a:t>2/21/24</a:t>
             </a:fld>
             <a:endParaRPr lang="en-US"/>
           </a:p>
@@ -4810,7 +4810,7 @@
             <a:fld id="{5586B75A-687E-405C-8A0B-8D00578BA2C3}" type="datetimeFigureOut">
               <a:rPr lang="en-US" smtClean="0"/>
               <a:pPr/>
-              <a:t>2/15/24</a:t>
+              <a:t>2/21/24</a:t>
             </a:fld>
             <a:endParaRPr lang="en-US" dirty="0"/>
           </a:p>
@@ -4982,7 +4982,7 @@
             <a:fld id="{5586B75A-687E-405C-8A0B-8D00578BA2C3}" type="datetimeFigureOut">
               <a:rPr lang="en-US" smtClean="0"/>
               <a:pPr/>
-              <a:t>2/15/24</a:t>
+              <a:t>2/21/24</a:t>
             </a:fld>
             <a:endParaRPr lang="en-US" dirty="0"/>
           </a:p>
@@ -5164,7 +5164,7 @@
             <a:fld id="{5586B75A-687E-405C-8A0B-8D00578BA2C3}" type="datetimeFigureOut">
               <a:rPr lang="en-US" smtClean="0"/>
               <a:pPr/>
-              <a:t>2/15/24</a:t>
+              <a:t>2/21/24</a:t>
             </a:fld>
             <a:endParaRPr lang="en-US" dirty="0"/>
           </a:p>
@@ -5336,7 +5336,7 @@
             <a:fld id="{5586B75A-687E-405C-8A0B-8D00578BA2C3}" type="datetimeFigureOut">
               <a:rPr lang="en-US" smtClean="0"/>
               <a:pPr/>
-              <a:t>2/15/24</a:t>
+              <a:t>2/21/24</a:t>
             </a:fld>
             <a:endParaRPr lang="en-US" dirty="0"/>
           </a:p>
@@ -5592,7 +5592,7 @@
             <a:fld id="{5586B75A-687E-405C-8A0B-8D00578BA2C3}" type="datetimeFigureOut">
               <a:rPr lang="en-US" smtClean="0"/>
               <a:pPr/>
-              <a:t>2/15/24</a:t>
+              <a:t>2/21/24</a:t>
             </a:fld>
             <a:endParaRPr lang="en-US" dirty="0"/>
           </a:p>
@@ -5882,7 +5882,7 @@
             <a:fld id="{5586B75A-687E-405C-8A0B-8D00578BA2C3}" type="datetimeFigureOut">
               <a:rPr lang="en-US" smtClean="0"/>
               <a:pPr/>
-              <a:t>2/15/24</a:t>
+              <a:t>2/21/24</a:t>
             </a:fld>
             <a:endParaRPr lang="en-US" dirty="0"/>
           </a:p>
@@ -6326,7 +6326,7 @@
             <a:fld id="{5586B75A-687E-405C-8A0B-8D00578BA2C3}" type="datetimeFigureOut">
               <a:rPr lang="en-US" smtClean="0"/>
               <a:pPr/>
-              <a:t>2/15/24</a:t>
+              <a:t>2/21/24</a:t>
             </a:fld>
             <a:endParaRPr lang="en-US" dirty="0"/>
           </a:p>
@@ -6446,7 +6446,7 @@
             <a:fld id="{5586B75A-687E-405C-8A0B-8D00578BA2C3}" type="datetimeFigureOut">
               <a:rPr lang="en-US" smtClean="0"/>
               <a:pPr/>
-              <a:t>2/15/24</a:t>
+              <a:t>2/21/24</a:t>
             </a:fld>
             <a:endParaRPr lang="en-US" dirty="0"/>
           </a:p>
@@ -6543,7 +6543,7 @@
             <a:fld id="{5586B75A-687E-405C-8A0B-8D00578BA2C3}" type="datetimeFigureOut">
               <a:rPr lang="en-US" smtClean="0"/>
               <a:pPr/>
-              <a:t>2/15/24</a:t>
+              <a:t>2/21/24</a:t>
             </a:fld>
             <a:endParaRPr lang="en-US" dirty="0"/>
           </a:p>
@@ -6833,7 +6833,7 @@
             <a:fld id="{5586B75A-687E-405C-8A0B-8D00578BA2C3}" type="datetimeFigureOut">
               <a:rPr lang="en-US" smtClean="0"/>
               <a:pPr/>
-              <a:t>2/15/24</a:t>
+              <a:t>2/21/24</a:t>
             </a:fld>
             <a:endParaRPr lang="en-US" dirty="0"/>
           </a:p>
@@ -7108,7 +7108,7 @@
             <a:fld id="{5586B75A-687E-405C-8A0B-8D00578BA2C3}" type="datetimeFigureOut">
               <a:rPr lang="en-US" smtClean="0"/>
               <a:pPr/>
-              <a:t>2/15/24</a:t>
+              <a:t>2/21/24</a:t>
             </a:fld>
             <a:endParaRPr lang="en-US" dirty="0"/>
           </a:p>
@@ -7407,7 +7407,7 @@
             <a:fld id="{5586B75A-687E-405C-8A0B-8D00578BA2C3}" type="datetimeFigureOut">
               <a:rPr lang="en-US" smtClean="0"/>
               <a:pPr/>
-              <a:t>2/15/24</a:t>
+              <a:t>2/21/24</a:t>
             </a:fld>
             <a:endParaRPr lang="en-US" dirty="0"/>
           </a:p>
@@ -7916,8 +7916,13 @@
           <a:p>
             <a:r>
               <a:rPr lang="en-US" dirty="0"/>
-              <a:t>Introduction to Machine Learning – Generative Models</a:t>
-            </a:r>
+              <a:t>Introduction to Machine Learning – CV </a:t>
+            </a:r>
+            <a:r>
+              <a:rPr lang="en-US"/>
+              <a:t>and Bootstrap</a:t>
+            </a:r>
+            <a:endParaRPr lang="en-US" dirty="0"/>
           </a:p>
         </p:txBody>
       </p:sp>
@@ -13225,8 +13230,8 @@
           </a:p>
         </p:txBody>
       </p:sp>
-      <mc:AlternateContent xmlns:mc="http://schemas.openxmlformats.org/markup-compatibility/2006">
-        <mc:Choice xmlns:a14="http://schemas.microsoft.com/office/drawing/2010/main" Requires="a14">
+      <mc:AlternateContent xmlns:mc="http://schemas.openxmlformats.org/markup-compatibility/2006" xmlns:a14="http://schemas.microsoft.com/office/drawing/2010/main">
+        <mc:Choice Requires="a14">
           <p:sp>
             <p:nvSpPr>
               <p:cNvPr id="37" name="TextBox 36">
@@ -13255,6 +13260,7 @@
               </a:bodyPr>
               <a:lstStyle/>
               <a:p>
+                <a:pPr/>
                 <a14:m>
                   <m:oMathPara xmlns:m="http://schemas.openxmlformats.org/officeDocument/2006/math">
                     <m:oMathParaPr>
@@ -13393,7 +13399,7 @@
             </p:txBody>
           </p:sp>
         </mc:Choice>
-        <mc:Fallback>
+        <mc:Fallback xmlns="">
           <p:sp>
             <p:nvSpPr>
               <p:cNvPr id="37" name="TextBox 36">
@@ -14933,8 +14939,8 @@
           </a:p>
         </p:txBody>
       </p:sp>
-      <mc:AlternateContent xmlns:mc="http://schemas.openxmlformats.org/markup-compatibility/2006">
-        <mc:Choice xmlns:a14="http://schemas.microsoft.com/office/drawing/2010/main" Requires="a14">
+      <mc:AlternateContent xmlns:mc="http://schemas.openxmlformats.org/markup-compatibility/2006" xmlns:a14="http://schemas.microsoft.com/office/drawing/2010/main">
+        <mc:Choice Requires="a14">
           <p:sp>
             <p:nvSpPr>
               <p:cNvPr id="34" name="TextBox 33">
@@ -14963,6 +14969,7 @@
               </a:bodyPr>
               <a:lstStyle/>
               <a:p>
+                <a:pPr/>
                 <a14:m>
                   <m:oMathPara xmlns:m="http://schemas.openxmlformats.org/officeDocument/2006/math">
                     <m:oMathParaPr>
@@ -15101,7 +15108,7 @@
             </p:txBody>
           </p:sp>
         </mc:Choice>
-        <mc:Fallback>
+        <mc:Fallback xmlns="">
           <p:sp>
             <p:nvSpPr>
               <p:cNvPr id="34" name="TextBox 33">
@@ -16506,8 +16513,8 @@
           </a:p>
         </p:txBody>
       </p:sp>
-      <mc:AlternateContent xmlns:mc="http://schemas.openxmlformats.org/markup-compatibility/2006">
-        <mc:Choice xmlns:a14="http://schemas.microsoft.com/office/drawing/2010/main" Requires="a14">
+      <mc:AlternateContent xmlns:mc="http://schemas.openxmlformats.org/markup-compatibility/2006" xmlns:a14="http://schemas.microsoft.com/office/drawing/2010/main">
+        <mc:Choice Requires="a14">
           <p:sp>
             <p:nvSpPr>
               <p:cNvPr id="3" name="Content Placeholder 2">
@@ -16675,7 +16682,7 @@
             </p:txBody>
           </p:sp>
         </mc:Choice>
-        <mc:Fallback>
+        <mc:Fallback xmlns="">
           <p:sp>
             <p:nvSpPr>
               <p:cNvPr id="3" name="Content Placeholder 2">
@@ -17120,8 +17127,8 @@
           </a:p>
         </p:txBody>
       </p:sp>
-      <mc:AlternateContent xmlns:mc="http://schemas.openxmlformats.org/markup-compatibility/2006">
-        <mc:Choice xmlns:a14="http://schemas.microsoft.com/office/drawing/2010/main" Requires="a14">
+      <mc:AlternateContent xmlns:mc="http://schemas.openxmlformats.org/markup-compatibility/2006" xmlns:a14="http://schemas.microsoft.com/office/drawing/2010/main">
+        <mc:Choice Requires="a14">
           <p:sp>
             <p:nvSpPr>
               <p:cNvPr id="3" name="Content Placeholder 2">
@@ -17250,7 +17257,7 @@
             </p:txBody>
           </p:sp>
         </mc:Choice>
-        <mc:Fallback>
+        <mc:Fallback xmlns="">
           <p:sp>
             <p:nvSpPr>
               <p:cNvPr id="3" name="Content Placeholder 2">
@@ -18459,8 +18466,8 @@
           </a:p>
         </p:txBody>
       </p:sp>
-      <mc:AlternateContent xmlns:mc="http://schemas.openxmlformats.org/markup-compatibility/2006">
-        <mc:Choice xmlns:a14="http://schemas.microsoft.com/office/drawing/2010/main" Requires="a14">
+      <mc:AlternateContent xmlns:mc="http://schemas.openxmlformats.org/markup-compatibility/2006" xmlns:a14="http://schemas.microsoft.com/office/drawing/2010/main">
+        <mc:Choice Requires="a14">
           <p:sp>
             <p:nvSpPr>
               <p:cNvPr id="3" name="Content Placeholder 2">
@@ -18570,7 +18577,7 @@
             </p:txBody>
           </p:sp>
         </mc:Choice>
-        <mc:Fallback>
+        <mc:Fallback xmlns="">
           <p:sp>
             <p:nvSpPr>
               <p:cNvPr id="3" name="Content Placeholder 2">
@@ -18955,8 +18962,8 @@
           </a:p>
         </p:txBody>
       </p:sp>
-      <mc:AlternateContent xmlns:mc="http://schemas.openxmlformats.org/markup-compatibility/2006">
-        <mc:Choice xmlns:a14="http://schemas.microsoft.com/office/drawing/2010/main" Requires="a14">
+      <mc:AlternateContent xmlns:mc="http://schemas.openxmlformats.org/markup-compatibility/2006" xmlns:a14="http://schemas.microsoft.com/office/drawing/2010/main">
+        <mc:Choice Requires="a14">
           <p:sp>
             <p:nvSpPr>
               <p:cNvPr id="3" name="Content Placeholder 2">
@@ -19164,7 +19171,7 @@
             </p:txBody>
           </p:sp>
         </mc:Choice>
-        <mc:Fallback>
+        <mc:Fallback xmlns="">
           <p:sp>
             <p:nvSpPr>
               <p:cNvPr id="3" name="Content Placeholder 2">
@@ -19549,8 +19556,8 @@
           </a:p>
         </p:txBody>
       </p:sp>
-      <mc:AlternateContent xmlns:mc="http://schemas.openxmlformats.org/markup-compatibility/2006">
-        <mc:Choice xmlns:a14="http://schemas.microsoft.com/office/drawing/2010/main" Requires="a14">
+      <mc:AlternateContent xmlns:mc="http://schemas.openxmlformats.org/markup-compatibility/2006" xmlns:a14="http://schemas.microsoft.com/office/drawing/2010/main">
+        <mc:Choice Requires="a14">
           <p:sp>
             <p:nvSpPr>
               <p:cNvPr id="3" name="Content Placeholder 2">
@@ -19952,7 +19959,7 @@
             </p:txBody>
           </p:sp>
         </mc:Choice>
-        <mc:Fallback>
+        <mc:Fallback xmlns="">
           <p:sp>
             <p:nvSpPr>
               <p:cNvPr id="3" name="Content Placeholder 2">
@@ -20337,8 +20344,8 @@
           </a:p>
         </p:txBody>
       </p:sp>
-      <mc:AlternateContent xmlns:mc="http://schemas.openxmlformats.org/markup-compatibility/2006">
-        <mc:Choice xmlns:a14="http://schemas.microsoft.com/office/drawing/2010/main" Requires="a14">
+      <mc:AlternateContent xmlns:mc="http://schemas.openxmlformats.org/markup-compatibility/2006" xmlns:a14="http://schemas.microsoft.com/office/drawing/2010/main">
+        <mc:Choice Requires="a14">
           <p:sp>
             <p:nvSpPr>
               <p:cNvPr id="3" name="Content Placeholder 2">
@@ -21051,7 +21058,7 @@
             </p:txBody>
           </p:sp>
         </mc:Choice>
-        <mc:Fallback>
+        <mc:Fallback xmlns="">
           <p:sp>
             <p:nvSpPr>
               <p:cNvPr id="3" name="Content Placeholder 2">
@@ -21436,8 +21443,8 @@
           </a:p>
         </p:txBody>
       </p:sp>
-      <mc:AlternateContent xmlns:mc="http://schemas.openxmlformats.org/markup-compatibility/2006">
-        <mc:Choice xmlns:a14="http://schemas.microsoft.com/office/drawing/2010/main" Requires="a14">
+      <mc:AlternateContent xmlns:mc="http://schemas.openxmlformats.org/markup-compatibility/2006" xmlns:a14="http://schemas.microsoft.com/office/drawing/2010/main">
+        <mc:Choice Requires="a14">
           <p:sp>
             <p:nvSpPr>
               <p:cNvPr id="3" name="Content Placeholder 2">
@@ -21653,7 +21660,7 @@
             </p:txBody>
           </p:sp>
         </mc:Choice>
-        <mc:Fallback>
+        <mc:Fallback xmlns="">
           <p:sp>
             <p:nvSpPr>
               <p:cNvPr id="3" name="Content Placeholder 2">
@@ -21792,8 +21799,8 @@
           </a:p>
         </p:txBody>
       </p:sp>
-      <mc:AlternateContent xmlns:mc="http://schemas.openxmlformats.org/markup-compatibility/2006">
-        <mc:Choice xmlns:a14="http://schemas.microsoft.com/office/drawing/2010/main" Requires="a14">
+      <mc:AlternateContent xmlns:mc="http://schemas.openxmlformats.org/markup-compatibility/2006" xmlns:a14="http://schemas.microsoft.com/office/drawing/2010/main">
+        <mc:Choice Requires="a14">
           <p:sp>
             <p:nvSpPr>
               <p:cNvPr id="9" name="TextBox 8">
@@ -21822,6 +21829,7 @@
               </a:bodyPr>
               <a:lstStyle/>
               <a:p>
+                <a:pPr/>
                 <a14:m>
                   <m:oMathPara xmlns:m="http://schemas.openxmlformats.org/officeDocument/2006/math">
                     <m:oMathParaPr>
@@ -21848,7 +21856,7 @@
             </p:txBody>
           </p:sp>
         </mc:Choice>
-        <mc:Fallback>
+        <mc:Fallback xmlns="">
           <p:sp>
             <p:nvSpPr>
               <p:cNvPr id="9" name="TextBox 8">
@@ -21893,8 +21901,8 @@
           </p:sp>
         </mc:Fallback>
       </mc:AlternateContent>
-      <mc:AlternateContent xmlns:mc="http://schemas.openxmlformats.org/markup-compatibility/2006">
-        <mc:Choice xmlns:a14="http://schemas.microsoft.com/office/drawing/2010/main" Requires="a14">
+      <mc:AlternateContent xmlns:mc="http://schemas.openxmlformats.org/markup-compatibility/2006" xmlns:a14="http://schemas.microsoft.com/office/drawing/2010/main">
+        <mc:Choice Requires="a14">
           <p:sp>
             <p:nvSpPr>
               <p:cNvPr id="10" name="TextBox 9">
@@ -21923,6 +21931,7 @@
               </a:bodyPr>
               <a:lstStyle/>
               <a:p>
+                <a:pPr/>
                 <a14:m>
                   <m:oMathPara xmlns:m="http://schemas.openxmlformats.org/officeDocument/2006/math">
                     <m:oMathParaPr>
@@ -21949,7 +21958,7 @@
             </p:txBody>
           </p:sp>
         </mc:Choice>
-        <mc:Fallback>
+        <mc:Fallback xmlns="">
           <p:sp>
             <p:nvSpPr>
               <p:cNvPr id="10" name="TextBox 9">
@@ -21994,8 +22003,8 @@
           </p:sp>
         </mc:Fallback>
       </mc:AlternateContent>
-      <mc:AlternateContent xmlns:mc="http://schemas.openxmlformats.org/markup-compatibility/2006">
-        <mc:Choice xmlns:a14="http://schemas.microsoft.com/office/drawing/2010/main" Requires="a14">
+      <mc:AlternateContent xmlns:mc="http://schemas.openxmlformats.org/markup-compatibility/2006" xmlns:a14="http://schemas.microsoft.com/office/drawing/2010/main">
+        <mc:Choice Requires="a14">
           <p:sp>
             <p:nvSpPr>
               <p:cNvPr id="11" name="TextBox 10">
@@ -22024,6 +22033,7 @@
               </a:bodyPr>
               <a:lstStyle/>
               <a:p>
+                <a:pPr/>
                 <a14:m>
                   <m:oMathPara xmlns:m="http://schemas.openxmlformats.org/officeDocument/2006/math">
                     <m:oMathParaPr>
@@ -22050,7 +22060,7 @@
             </p:txBody>
           </p:sp>
         </mc:Choice>
-        <mc:Fallback>
+        <mc:Fallback xmlns="">
           <p:sp>
             <p:nvSpPr>
               <p:cNvPr id="11" name="TextBox 10">
@@ -22095,8 +22105,8 @@
           </p:sp>
         </mc:Fallback>
       </mc:AlternateContent>
-      <mc:AlternateContent xmlns:mc="http://schemas.openxmlformats.org/markup-compatibility/2006">
-        <mc:Choice xmlns:a14="http://schemas.microsoft.com/office/drawing/2010/main" Requires="a14">
+      <mc:AlternateContent xmlns:mc="http://schemas.openxmlformats.org/markup-compatibility/2006" xmlns:a14="http://schemas.microsoft.com/office/drawing/2010/main">
+        <mc:Choice Requires="a14">
           <p:sp>
             <p:nvSpPr>
               <p:cNvPr id="12" name="TextBox 11">
@@ -22125,6 +22135,7 @@
               </a:bodyPr>
               <a:lstStyle/>
               <a:p>
+                <a:pPr/>
                 <a14:m>
                   <m:oMathPara xmlns:m="http://schemas.openxmlformats.org/officeDocument/2006/math">
                     <m:oMathParaPr>
@@ -22151,7 +22162,7 @@
             </p:txBody>
           </p:sp>
         </mc:Choice>
-        <mc:Fallback>
+        <mc:Fallback xmlns="">
           <p:sp>
             <p:nvSpPr>
               <p:cNvPr id="12" name="TextBox 11">
@@ -22537,8 +22548,8 @@
           </a:p>
         </p:txBody>
       </p:sp>
-      <mc:AlternateContent xmlns:mc="http://schemas.openxmlformats.org/markup-compatibility/2006">
-        <mc:Choice xmlns:a14="http://schemas.microsoft.com/office/drawing/2010/main" Requires="a14">
+      <mc:AlternateContent xmlns:mc="http://schemas.openxmlformats.org/markup-compatibility/2006" xmlns:a14="http://schemas.microsoft.com/office/drawing/2010/main">
+        <mc:Choice Requires="a14">
           <p:sp>
             <p:nvSpPr>
               <p:cNvPr id="3" name="Content Placeholder 2">
@@ -22694,7 +22705,7 @@
             </p:txBody>
           </p:sp>
         </mc:Choice>
-        <mc:Fallback>
+        <mc:Fallback xmlns="">
           <p:sp>
             <p:nvSpPr>
               <p:cNvPr id="3" name="Content Placeholder 2">
@@ -23792,8 +23803,8 @@
           </a:p>
         </p:txBody>
       </p:sp>
-      <mc:AlternateContent xmlns:mc="http://schemas.openxmlformats.org/markup-compatibility/2006">
-        <mc:Choice xmlns:a14="http://schemas.microsoft.com/office/drawing/2010/main" Requires="a14">
+      <mc:AlternateContent xmlns:mc="http://schemas.openxmlformats.org/markup-compatibility/2006" xmlns:a14="http://schemas.microsoft.com/office/drawing/2010/main">
+        <mc:Choice Requires="a14">
           <p:sp>
             <p:nvSpPr>
               <p:cNvPr id="3" name="Content Placeholder 2">
@@ -23949,7 +23960,7 @@
             </p:txBody>
           </p:sp>
         </mc:Choice>
-        <mc:Fallback>
+        <mc:Fallback xmlns="">
           <p:sp>
             <p:nvSpPr>
               <p:cNvPr id="3" name="Content Placeholder 2">
@@ -24059,8 +24070,8 @@
           </a:p>
         </p:txBody>
       </p:sp>
-      <mc:AlternateContent xmlns:mc="http://schemas.openxmlformats.org/markup-compatibility/2006">
-        <mc:Choice xmlns:a14="http://schemas.microsoft.com/office/drawing/2010/main" Requires="a14">
+      <mc:AlternateContent xmlns:mc="http://schemas.openxmlformats.org/markup-compatibility/2006" xmlns:a14="http://schemas.microsoft.com/office/drawing/2010/main">
+        <mc:Choice Requires="a14">
           <p:sp>
             <p:nvSpPr>
               <p:cNvPr id="4" name="Content Placeholder 2">
@@ -24393,7 +24404,7 @@
             </p:txBody>
           </p:sp>
         </mc:Choice>
-        <mc:Fallback>
+        <mc:Fallback xmlns="">
           <p:sp>
             <p:nvSpPr>
               <p:cNvPr id="4" name="Content Placeholder 2">
@@ -24779,8 +24790,8 @@
           </a:p>
         </p:txBody>
       </p:sp>
-      <mc:AlternateContent xmlns:mc="http://schemas.openxmlformats.org/markup-compatibility/2006">
-        <mc:Choice xmlns:a14="http://schemas.microsoft.com/office/drawing/2010/main" Requires="a14">
+      <mc:AlternateContent xmlns:mc="http://schemas.openxmlformats.org/markup-compatibility/2006" xmlns:a14="http://schemas.microsoft.com/office/drawing/2010/main">
+        <mc:Choice Requires="a14">
           <p:sp>
             <p:nvSpPr>
               <p:cNvPr id="3" name="Content Placeholder 2">
@@ -24936,7 +24947,7 @@
             </p:txBody>
           </p:sp>
         </mc:Choice>
-        <mc:Fallback>
+        <mc:Fallback xmlns="">
           <p:sp>
             <p:nvSpPr>
               <p:cNvPr id="3" name="Content Placeholder 2">
@@ -25046,8 +25057,8 @@
           </a:p>
         </p:txBody>
       </p:sp>
-      <mc:AlternateContent xmlns:mc="http://schemas.openxmlformats.org/markup-compatibility/2006">
-        <mc:Choice xmlns:a14="http://schemas.microsoft.com/office/drawing/2010/main" Requires="a14">
+      <mc:AlternateContent xmlns:mc="http://schemas.openxmlformats.org/markup-compatibility/2006" xmlns:a14="http://schemas.microsoft.com/office/drawing/2010/main">
+        <mc:Choice Requires="a14">
           <p:sp>
             <p:nvSpPr>
               <p:cNvPr id="4" name="Content Placeholder 2">
@@ -25399,7 +25410,7 @@
             </p:txBody>
           </p:sp>
         </mc:Choice>
-        <mc:Fallback>
+        <mc:Fallback xmlns="">
           <p:sp>
             <p:nvSpPr>
               <p:cNvPr id="4" name="Content Placeholder 2">
@@ -25785,8 +25796,8 @@
           </a:p>
         </p:txBody>
       </p:sp>
-      <mc:AlternateContent xmlns:mc="http://schemas.openxmlformats.org/markup-compatibility/2006">
-        <mc:Choice xmlns:a14="http://schemas.microsoft.com/office/drawing/2010/main" Requires="a14">
+      <mc:AlternateContent xmlns:mc="http://schemas.openxmlformats.org/markup-compatibility/2006" xmlns:a14="http://schemas.microsoft.com/office/drawing/2010/main">
+        <mc:Choice Requires="a14">
           <p:sp>
             <p:nvSpPr>
               <p:cNvPr id="3" name="Content Placeholder 2">
@@ -26336,7 +26347,13 @@
                                             <a:rPr lang="en-US" b="0" i="1" dirty="0" smtClean="0">
                                               <a:latin typeface="Cambria Math" panose="02040503050406030204" pitchFamily="18" charset="0"/>
                                             </a:rPr>
-                                            <m:t>=1</m:t>
+                                            <m:t>=</m:t>
+                                          </m:r>
+                                          <m:r>
+                                            <a:rPr lang="en-US" b="0" i="1" dirty="0" smtClean="0">
+                                              <a:latin typeface="Cambria Math" panose="02040503050406030204" pitchFamily="18" charset="0"/>
+                                            </a:rPr>
+                                            <m:t>1</m:t>
                                           </m:r>
                                         </m:sub>
                                         <m:sup>
@@ -26467,7 +26484,7 @@
             </p:txBody>
           </p:sp>
         </mc:Choice>
-        <mc:Fallback>
+        <mc:Fallback xmlns="">
           <p:sp>
             <p:nvSpPr>
               <p:cNvPr id="3" name="Content Placeholder 2">
@@ -27223,8 +27240,8 @@
           </a:p>
         </p:txBody>
       </p:sp>
-      <mc:AlternateContent xmlns:mc="http://schemas.openxmlformats.org/markup-compatibility/2006">
-        <mc:Choice xmlns:a14="http://schemas.microsoft.com/office/drawing/2010/main" Requires="a14">
+      <mc:AlternateContent xmlns:mc="http://schemas.openxmlformats.org/markup-compatibility/2006" xmlns:a14="http://schemas.microsoft.com/office/drawing/2010/main">
+        <mc:Choice Requires="a14">
           <p:sp>
             <p:nvSpPr>
               <p:cNvPr id="3" name="Content Placeholder 2">
@@ -27380,7 +27397,7 @@
             </p:txBody>
           </p:sp>
         </mc:Choice>
-        <mc:Fallback>
+        <mc:Fallback xmlns="">
           <p:sp>
             <p:nvSpPr>
               <p:cNvPr id="3" name="Content Placeholder 2">
